--- a/FDI 2000_to_2016 India/2000-2016 FDI in India.pptx
+++ b/FDI 2000_to_2016 India/2000-2016 FDI in India.pptx
@@ -3333,7 +3333,7 @@
           <p:cNvPr id="0" name="slide1">
             <a:extLst>
               <a:ext uri="{FF2B5EF4-FFF2-40B4-BE49-F238E27FC236}">
-                <a16:creationId xmlns:a16="http://schemas.microsoft.com/office/drawing/2014/main" id="{0D1CEE3C-277C-4466-832B-A3884D8DB04F}"/>
+                <a16:creationId xmlns:a16="http://schemas.microsoft.com/office/drawing/2014/main" id="{A767F1B3-DB8A-4187-AD95-2EA052FAC0E3}"/>
               </a:ext>
             </a:extLst>
           </p:cNvPr>
@@ -3363,7 +3363,7 @@
           <p:cNvPr id="1" name="slide1">
             <a:extLst>
               <a:ext uri="{FF2B5EF4-FFF2-40B4-BE49-F238E27FC236}">
-                <a16:creationId xmlns:a16="http://schemas.microsoft.com/office/drawing/2014/main" id="{C4578017-9EE7-4CD1-8614-A4E111F798A1}"/>
+                <a16:creationId xmlns:a16="http://schemas.microsoft.com/office/drawing/2014/main" id="{44421600-0452-4649-ACF6-5461752D3BC6}"/>
               </a:ext>
             </a:extLst>
           </p:cNvPr>
@@ -3381,7 +3381,7 @@
           <a:p>
             <a:r>
               <a:rPr/>
-              <a:t>File created on: 7/8/2021 10:31:33 PM</a:t>
+              <a:t>File created on: 7/9/2021 11:46:50 AM</a:t>
             </a:r>
           </a:p>
         </p:txBody>
@@ -3421,7 +3421,7 @@
           <p:cNvPr descr="Story 11" id="2" name="slide2">
             <a:extLst>
               <a:ext uri="{FF2B5EF4-FFF2-40B4-BE49-F238E27FC236}">
-                <a16:creationId xmlns:a16="http://schemas.microsoft.com/office/drawing/2014/main" id="{52CEEF6D-5F34-4B87-BF4A-038E3AC5AC8B}"/>
+                <a16:creationId xmlns:a16="http://schemas.microsoft.com/office/drawing/2014/main" id="{91D09F0A-90A1-4A1F-B3C7-D4D6E0192E1D}"/>
               </a:ext>
             </a:extLst>
           </p:cNvPr>
@@ -3444,8 +3444,8 @@
         </p:blipFill>
         <p:spPr>
           <a:xfrm>
-            <a:off x="0" y="900390"/>
-            <a:ext cx="12192000" cy="5057220"/>
+            <a:off x="0" y="1005179"/>
+            <a:ext cx="12192000" cy="4847641"/>
           </a:xfrm>
           <a:prstGeom prst="rect">
             <a:avLst/>
@@ -3487,7 +3487,7 @@
           <p:cNvPr descr="Story 12" id="3" name="slide3">
             <a:extLst>
               <a:ext uri="{FF2B5EF4-FFF2-40B4-BE49-F238E27FC236}">
-                <a16:creationId xmlns:a16="http://schemas.microsoft.com/office/drawing/2014/main" id="{F028467D-B29B-4A1E-BDD8-C821B18A1E8A}"/>
+                <a16:creationId xmlns:a16="http://schemas.microsoft.com/office/drawing/2014/main" id="{3E4E4638-8BCE-45EF-A7B4-F2268A10604B}"/>
               </a:ext>
             </a:extLst>
           </p:cNvPr>
@@ -3510,8 +3510,8 @@
         </p:blipFill>
         <p:spPr>
           <a:xfrm>
-            <a:off x="0" y="900390"/>
-            <a:ext cx="12192000" cy="5057220"/>
+            <a:off x="0" y="1005179"/>
+            <a:ext cx="12192000" cy="4847641"/>
           </a:xfrm>
           <a:prstGeom prst="rect">
             <a:avLst/>
@@ -3553,7 +3553,7 @@
           <p:cNvPr descr="Story 13" id="4" name="slide4">
             <a:extLst>
               <a:ext uri="{FF2B5EF4-FFF2-40B4-BE49-F238E27FC236}">
-                <a16:creationId xmlns:a16="http://schemas.microsoft.com/office/drawing/2014/main" id="{67086AC0-910C-45C2-AA7D-9506ACEE5D4B}"/>
+                <a16:creationId xmlns:a16="http://schemas.microsoft.com/office/drawing/2014/main" id="{5BB866DB-4B83-4AFE-B9E3-BBBC099285CA}"/>
               </a:ext>
             </a:extLst>
           </p:cNvPr>
@@ -3576,8 +3576,8 @@
         </p:blipFill>
         <p:spPr>
           <a:xfrm>
-            <a:off x="0" y="900390"/>
-            <a:ext cx="12192000" cy="5057220"/>
+            <a:off x="0" y="1005179"/>
+            <a:ext cx="12192000" cy="4847641"/>
           </a:xfrm>
           <a:prstGeom prst="rect">
             <a:avLst/>
@@ -3619,7 +3619,7 @@
           <p:cNvPr descr="Story 14" id="5" name="slide5">
             <a:extLst>
               <a:ext uri="{FF2B5EF4-FFF2-40B4-BE49-F238E27FC236}">
-                <a16:creationId xmlns:a16="http://schemas.microsoft.com/office/drawing/2014/main" id="{D6ACC573-F0D7-4D5E-8FA4-45159A100E2B}"/>
+                <a16:creationId xmlns:a16="http://schemas.microsoft.com/office/drawing/2014/main" id="{4AD2CE37-5064-49DC-8F3A-EC047EC9A379}"/>
               </a:ext>
             </a:extLst>
           </p:cNvPr>
@@ -3642,8 +3642,8 @@
         </p:blipFill>
         <p:spPr>
           <a:xfrm>
-            <a:off x="0" y="900390"/>
-            <a:ext cx="12192000" cy="5057220"/>
+            <a:off x="0" y="1005179"/>
+            <a:ext cx="12192000" cy="4847641"/>
           </a:xfrm>
           <a:prstGeom prst="rect">
             <a:avLst/>
@@ -3685,7 +3685,7 @@
           <p:cNvPr descr="Story 15" id="6" name="slide6">
             <a:extLst>
               <a:ext uri="{FF2B5EF4-FFF2-40B4-BE49-F238E27FC236}">
-                <a16:creationId xmlns:a16="http://schemas.microsoft.com/office/drawing/2014/main" id="{03DE4E4D-9934-463D-A15F-2140ADE30DD7}"/>
+                <a16:creationId xmlns:a16="http://schemas.microsoft.com/office/drawing/2014/main" id="{855FADCE-64D0-4353-842E-2A007D856542}"/>
               </a:ext>
             </a:extLst>
           </p:cNvPr>
@@ -3708,8 +3708,8 @@
         </p:blipFill>
         <p:spPr>
           <a:xfrm>
-            <a:off x="0" y="900390"/>
-            <a:ext cx="12192000" cy="5057220"/>
+            <a:off x="0" y="1005179"/>
+            <a:ext cx="12192000" cy="4847641"/>
           </a:xfrm>
           <a:prstGeom prst="rect">
             <a:avLst/>
@@ -3751,7 +3751,7 @@
           <p:cNvPr descr="Story 16" id="7" name="slide7">
             <a:extLst>
               <a:ext uri="{FF2B5EF4-FFF2-40B4-BE49-F238E27FC236}">
-                <a16:creationId xmlns:a16="http://schemas.microsoft.com/office/drawing/2014/main" id="{4488410E-B26F-43A1-AEB2-E93E645DBF8E}"/>
+                <a16:creationId xmlns:a16="http://schemas.microsoft.com/office/drawing/2014/main" id="{63A012EE-0BDE-4AB9-A44B-2A4FCA9B5BB4}"/>
               </a:ext>
             </a:extLst>
           </p:cNvPr>
@@ -3774,8 +3774,8 @@
         </p:blipFill>
         <p:spPr>
           <a:xfrm>
-            <a:off x="0" y="900390"/>
-            <a:ext cx="12192000" cy="5057220"/>
+            <a:off x="0" y="1005179"/>
+            <a:ext cx="12192000" cy="4847641"/>
           </a:xfrm>
           <a:prstGeom prst="rect">
             <a:avLst/>
@@ -3814,10 +3814,10 @@
       </p:grpSpPr>
       <p:pic>
         <p:nvPicPr>
-          <p:cNvPr descr="Story 17" id="8" name="slide8">
-            <a:extLst>
-              <a:ext uri="{FF2B5EF4-FFF2-40B4-BE49-F238E27FC236}">
-                <a16:creationId xmlns:a16="http://schemas.microsoft.com/office/drawing/2014/main" id="{71462262-C43F-4953-80C6-B2330F160F8A}"/>
+          <p:cNvPr descr="Story 18" id="8" name="slide8">
+            <a:extLst>
+              <a:ext uri="{FF2B5EF4-FFF2-40B4-BE49-F238E27FC236}">
+                <a16:creationId xmlns:a16="http://schemas.microsoft.com/office/drawing/2014/main" id="{455A2000-27B4-4294-B63F-02DCF7DAD01D}"/>
               </a:ext>
             </a:extLst>
           </p:cNvPr>
@@ -3840,8 +3840,8 @@
         </p:blipFill>
         <p:spPr>
           <a:xfrm>
-            <a:off x="0" y="900390"/>
-            <a:ext cx="12192000" cy="5057220"/>
+            <a:off x="0" y="1005179"/>
+            <a:ext cx="12192000" cy="4847641"/>
           </a:xfrm>
           <a:prstGeom prst="rect">
             <a:avLst/>
